--- a/day 4/SAC_Training Day 4.pptx
+++ b/day 4/SAC_Training Day 4.pptx
@@ -210,7 +210,7 @@
           <a:p>
             <a:fld id="{4AF2A06D-4991-4208-8C88-4E8BAD69A8B8}" type="datetimeFigureOut">
               <a:rPr lang="en-US" smtClean="0"/>
-              <a:t>12/12/2020</a:t>
+              <a:t>11/17/2021</a:t>
             </a:fld>
             <a:endParaRPr lang="en-US"/>
           </a:p>
@@ -834,7 +834,7 @@
           <a:p>
             <a:fld id="{E26E0DA5-0C76-4851-AA82-0B75261F9EB4}" type="datetimeFigureOut">
               <a:rPr lang="en-US" smtClean="0"/>
-              <a:t>12/12/2020</a:t>
+              <a:t>11/17/2021</a:t>
             </a:fld>
             <a:endParaRPr lang="en-US"/>
           </a:p>
@@ -1002,7 +1002,7 @@
           <a:p>
             <a:fld id="{E26E0DA5-0C76-4851-AA82-0B75261F9EB4}" type="datetimeFigureOut">
               <a:rPr lang="en-US" smtClean="0"/>
-              <a:t>12/12/2020</a:t>
+              <a:t>11/17/2021</a:t>
             </a:fld>
             <a:endParaRPr lang="en-US"/>
           </a:p>
@@ -1180,7 +1180,7 @@
           <a:p>
             <a:fld id="{E26E0DA5-0C76-4851-AA82-0B75261F9EB4}" type="datetimeFigureOut">
               <a:rPr lang="en-US" smtClean="0"/>
-              <a:t>12/12/2020</a:t>
+              <a:t>11/17/2021</a:t>
             </a:fld>
             <a:endParaRPr lang="en-US"/>
           </a:p>
@@ -1507,7 +1507,7 @@
             <a:fld id="{9578D6DB-6798-42D2-B9AD-FC6F1C72FC30}" type="datetimeFigureOut">
               <a:rPr lang="en-US" smtClean="0"/>
               <a:pPr/>
-              <a:t>12/12/2020</a:t>
+              <a:t>11/17/2021</a:t>
             </a:fld>
             <a:endParaRPr lang="en-US"/>
           </a:p>
@@ -1749,7 +1749,7 @@
             <a:fld id="{425404F2-BE9A-4460-8815-8F645183555F}" type="datetimeFigureOut">
               <a:rPr lang="en-US" smtClean="0"/>
               <a:pPr/>
-              <a:t>12/12/2020</a:t>
+              <a:t>11/17/2021</a:t>
             </a:fld>
             <a:endParaRPr lang="en-US"/>
           </a:p>
@@ -1877,7 +1877,7 @@
             <a:fld id="{425404F2-BE9A-4460-8815-8F645183555F}" type="datetimeFigureOut">
               <a:rPr lang="en-US" smtClean="0"/>
               <a:pPr/>
-              <a:t>12/12/2020</a:t>
+              <a:t>11/17/2021</a:t>
             </a:fld>
             <a:endParaRPr lang="en-US"/>
           </a:p>
@@ -2127,7 +2127,7 @@
             <a:fld id="{425404F2-BE9A-4460-8815-8F645183555F}" type="datetimeFigureOut">
               <a:rPr lang="en-US" smtClean="0"/>
               <a:pPr/>
-              <a:t>12/12/2020</a:t>
+              <a:t>11/17/2021</a:t>
             </a:fld>
             <a:endParaRPr lang="en-US"/>
           </a:p>
@@ -2297,7 +2297,7 @@
             <a:fld id="{425404F2-BE9A-4460-8815-8F645183555F}" type="datetimeFigureOut">
               <a:rPr lang="en-US" smtClean="0"/>
               <a:pPr/>
-              <a:t>12/12/2020</a:t>
+              <a:t>11/17/2021</a:t>
             </a:fld>
             <a:endParaRPr lang="en-US"/>
           </a:p>
@@ -2584,7 +2584,7 @@
             <a:fld id="{425404F2-BE9A-4460-8815-8F645183555F}" type="datetimeFigureOut">
               <a:rPr lang="en-US" smtClean="0"/>
               <a:pPr/>
-              <a:t>12/12/2020</a:t>
+              <a:t>11/17/2021</a:t>
             </a:fld>
             <a:endParaRPr lang="en-US"/>
           </a:p>
@@ -3005,7 +3005,7 @@
             <a:fld id="{425404F2-BE9A-4460-8815-8F645183555F}" type="datetimeFigureOut">
               <a:rPr lang="en-US" smtClean="0"/>
               <a:pPr/>
-              <a:t>12/12/2020</a:t>
+              <a:t>11/17/2021</a:t>
             </a:fld>
             <a:endParaRPr lang="en-US"/>
           </a:p>
@@ -3130,7 +3130,7 @@
             <a:fld id="{425404F2-BE9A-4460-8815-8F645183555F}" type="datetimeFigureOut">
               <a:rPr lang="en-US" smtClean="0"/>
               <a:pPr/>
-              <a:t>12/12/2020</a:t>
+              <a:t>11/17/2021</a:t>
             </a:fld>
             <a:endParaRPr lang="en-US"/>
           </a:p>
@@ -3356,7 +3356,7 @@
           <a:p>
             <a:fld id="{E26E0DA5-0C76-4851-AA82-0B75261F9EB4}" type="datetimeFigureOut">
               <a:rPr lang="en-US" smtClean="0"/>
-              <a:t>12/12/2020</a:t>
+              <a:t>11/17/2021</a:t>
             </a:fld>
             <a:endParaRPr lang="en-US"/>
           </a:p>
@@ -3480,7 +3480,7 @@
             <a:fld id="{425404F2-BE9A-4460-8815-8F645183555F}" type="datetimeFigureOut">
               <a:rPr lang="en-US" smtClean="0"/>
               <a:pPr/>
-              <a:t>12/12/2020</a:t>
+              <a:t>11/17/2021</a:t>
             </a:fld>
             <a:endParaRPr lang="en-US"/>
           </a:p>
@@ -4027,7 +4027,7 @@
             <a:fld id="{425404F2-BE9A-4460-8815-8F645183555F}" type="datetimeFigureOut">
               <a:rPr lang="en-US" smtClean="0"/>
               <a:pPr/>
-              <a:t>12/12/2020</a:t>
+              <a:t>11/17/2021</a:t>
             </a:fld>
             <a:endParaRPr lang="en-US"/>
           </a:p>
@@ -4175,7 +4175,7 @@
             <a:fld id="{425404F2-BE9A-4460-8815-8F645183555F}" type="datetimeFigureOut">
               <a:rPr lang="en-US" smtClean="0"/>
               <a:pPr/>
-              <a:t>12/12/2020</a:t>
+              <a:t>11/17/2021</a:t>
             </a:fld>
             <a:endParaRPr lang="en-US"/>
           </a:p>
@@ -4408,7 +4408,7 @@
             <a:fld id="{425404F2-BE9A-4460-8815-8F645183555F}" type="datetimeFigureOut">
               <a:rPr lang="en-US" smtClean="0"/>
               <a:pPr/>
-              <a:t>12/12/2020</a:t>
+              <a:t>11/17/2021</a:t>
             </a:fld>
             <a:endParaRPr lang="en-US"/>
           </a:p>
@@ -4646,7 +4646,7 @@
             <a:fld id="{425404F2-BE9A-4460-8815-8F645183555F}" type="datetimeFigureOut">
               <a:rPr lang="en-US" smtClean="0"/>
               <a:pPr/>
-              <a:t>12/12/2020</a:t>
+              <a:t>11/17/2021</a:t>
             </a:fld>
             <a:endParaRPr lang="en-US"/>
           </a:p>
@@ -4828,7 +4828,7 @@
             <a:fld id="{425404F2-BE9A-4460-8815-8F645183555F}" type="datetimeFigureOut">
               <a:rPr lang="en-US" smtClean="0"/>
               <a:pPr/>
-              <a:t>12/12/2020</a:t>
+              <a:t>11/17/2021</a:t>
             </a:fld>
             <a:endParaRPr lang="en-US"/>
           </a:p>
@@ -5105,7 +5105,7 @@
             <a:fld id="{425404F2-BE9A-4460-8815-8F645183555F}" type="datetimeFigureOut">
               <a:rPr lang="en-US" smtClean="0"/>
               <a:pPr/>
-              <a:t>12/12/2020</a:t>
+              <a:t>11/17/2021</a:t>
             </a:fld>
             <a:endParaRPr lang="en-US"/>
           </a:p>
@@ -5359,7 +5359,7 @@
             <a:fld id="{425404F2-BE9A-4460-8815-8F645183555F}" type="datetimeFigureOut">
               <a:rPr lang="en-US" smtClean="0"/>
               <a:pPr/>
-              <a:t>12/12/2020</a:t>
+              <a:t>11/17/2021</a:t>
             </a:fld>
             <a:endParaRPr lang="en-US"/>
           </a:p>
@@ -5529,7 +5529,7 @@
             <a:fld id="{425404F2-BE9A-4460-8815-8F645183555F}" type="datetimeFigureOut">
               <a:rPr lang="en-US" smtClean="0"/>
               <a:pPr/>
-              <a:t>12/12/2020</a:t>
+              <a:t>11/17/2021</a:t>
             </a:fld>
             <a:endParaRPr lang="en-US"/>
           </a:p>
@@ -5709,7 +5709,7 @@
             <a:fld id="{425404F2-BE9A-4460-8815-8F645183555F}" type="datetimeFigureOut">
               <a:rPr lang="en-US" smtClean="0"/>
               <a:pPr/>
-              <a:t>12/12/2020</a:t>
+              <a:t>11/17/2021</a:t>
             </a:fld>
             <a:endParaRPr lang="en-US"/>
           </a:p>
@@ -5955,7 +5955,7 @@
           <a:p>
             <a:fld id="{E26E0DA5-0C76-4851-AA82-0B75261F9EB4}" type="datetimeFigureOut">
               <a:rPr lang="en-US" smtClean="0"/>
-              <a:t>12/12/2020</a:t>
+              <a:t>11/17/2021</a:t>
             </a:fld>
             <a:endParaRPr lang="en-US"/>
           </a:p>
@@ -6184,7 +6184,7 @@
           <a:p>
             <a:fld id="{E26E0DA5-0C76-4851-AA82-0B75261F9EB4}" type="datetimeFigureOut">
               <a:rPr lang="en-US" smtClean="0"/>
-              <a:t>12/12/2020</a:t>
+              <a:t>11/17/2021</a:t>
             </a:fld>
             <a:endParaRPr lang="en-US"/>
           </a:p>
@@ -6548,7 +6548,7 @@
           <a:p>
             <a:fld id="{E26E0DA5-0C76-4851-AA82-0B75261F9EB4}" type="datetimeFigureOut">
               <a:rPr lang="en-US" smtClean="0"/>
-              <a:t>12/12/2020</a:t>
+              <a:t>11/17/2021</a:t>
             </a:fld>
             <a:endParaRPr lang="en-US"/>
           </a:p>
@@ -6665,7 +6665,7 @@
           <a:p>
             <a:fld id="{E26E0DA5-0C76-4851-AA82-0B75261F9EB4}" type="datetimeFigureOut">
               <a:rPr lang="en-US" smtClean="0"/>
-              <a:t>12/12/2020</a:t>
+              <a:t>11/17/2021</a:t>
             </a:fld>
             <a:endParaRPr lang="en-US"/>
           </a:p>
@@ -6760,7 +6760,7 @@
           <a:p>
             <a:fld id="{E26E0DA5-0C76-4851-AA82-0B75261F9EB4}" type="datetimeFigureOut">
               <a:rPr lang="en-US" smtClean="0"/>
-              <a:t>12/12/2020</a:t>
+              <a:t>11/17/2021</a:t>
             </a:fld>
             <a:endParaRPr lang="en-US"/>
           </a:p>
@@ -7035,7 +7035,7 @@
           <a:p>
             <a:fld id="{E26E0DA5-0C76-4851-AA82-0B75261F9EB4}" type="datetimeFigureOut">
               <a:rPr lang="en-US" smtClean="0"/>
-              <a:t>12/12/2020</a:t>
+              <a:t>11/17/2021</a:t>
             </a:fld>
             <a:endParaRPr lang="en-US"/>
           </a:p>
@@ -7287,7 +7287,7 @@
           <a:p>
             <a:fld id="{E26E0DA5-0C76-4851-AA82-0B75261F9EB4}" type="datetimeFigureOut">
               <a:rPr lang="en-US" smtClean="0"/>
-              <a:t>12/12/2020</a:t>
+              <a:t>11/17/2021</a:t>
             </a:fld>
             <a:endParaRPr lang="en-US"/>
           </a:p>
@@ -7498,7 +7498,7 @@
           <a:p>
             <a:fld id="{E26E0DA5-0C76-4851-AA82-0B75261F9EB4}" type="datetimeFigureOut">
               <a:rPr lang="en-US" smtClean="0"/>
-              <a:t>12/12/2020</a:t>
+              <a:t>11/17/2021</a:t>
             </a:fld>
             <a:endParaRPr lang="en-US"/>
           </a:p>
@@ -8055,7 +8055,7 @@
             <a:fld id="{425404F2-BE9A-4460-8815-8F645183555F}" type="datetimeFigureOut">
               <a:rPr lang="en-US" smtClean="0"/>
               <a:pPr/>
-              <a:t>12/12/2020</a:t>
+              <a:t>11/17/2021</a:t>
             </a:fld>
             <a:endParaRPr lang="en-US"/>
           </a:p>
@@ -8616,7 +8616,7 @@
         <p:spPr>
           <a:xfrm>
             <a:off x="187367" y="2062424"/>
-            <a:ext cx="6629399" cy="1200329"/>
+            <a:ext cx="6629399" cy="1754326"/>
           </a:xfrm>
           <a:prstGeom prst="rect">
             <a:avLst/>
@@ -8635,8 +8635,31 @@
                   <a:schemeClr val="bg1"/>
                 </a:solidFill>
               </a:rPr>
-              <a:t>Anurag Bajaj</a:t>
-            </a:r>
+              <a:t>Anurag </a:t>
+            </a:r>
+            <a:r>
+              <a:rPr lang="en-US" sz="3600" spc="-150" dirty="0" smtClean="0">
+                <a:solidFill>
+                  <a:schemeClr val="bg1"/>
+                </a:solidFill>
+              </a:rPr>
+              <a:t>Bajaj</a:t>
+            </a:r>
+          </a:p>
+          <a:p>
+            <a:r>
+              <a:rPr lang="en-US" sz="3600" spc="-150" dirty="0" smtClean="0">
+                <a:solidFill>
+                  <a:schemeClr val="bg1"/>
+                </a:solidFill>
+              </a:rPr>
+              <a:t>Shubham Singh</a:t>
+            </a:r>
+            <a:endParaRPr lang="en-US" sz="3600" spc="-150" dirty="0">
+              <a:solidFill>
+                <a:schemeClr val="bg1"/>
+              </a:solidFill>
+            </a:endParaRPr>
           </a:p>
           <a:p>
             <a:r>
@@ -8697,7 +8720,7 @@
           <p:cNvPr id="2" name="Title 3">
             <a:extLst>
               <a:ext uri="{FF2B5EF4-FFF2-40B4-BE49-F238E27FC236}">
-                <a16:creationId xmlns:a16="http://schemas.microsoft.com/office/drawing/2014/main" id="{F07FC580-E2AB-4C55-8C95-D5E077A1D127}"/>
+                <a16:creationId xmlns:a16="http://schemas.microsoft.com/office/drawing/2014/main" xmlns="" id="{F07FC580-E2AB-4C55-8C95-D5E077A1D127}"/>
               </a:ext>
             </a:extLst>
           </p:cNvPr>
@@ -8746,7 +8769,7 @@
           <p:cNvPr id="7" name="TextBox 6">
             <a:extLst>
               <a:ext uri="{FF2B5EF4-FFF2-40B4-BE49-F238E27FC236}">
-                <a16:creationId xmlns:a16="http://schemas.microsoft.com/office/drawing/2014/main" id="{17EB74BE-8011-4153-8F37-3BEF9C1F4CC0}"/>
+                <a16:creationId xmlns:a16="http://schemas.microsoft.com/office/drawing/2014/main" xmlns="" id="{17EB74BE-8011-4153-8F37-3BEF9C1F4CC0}"/>
               </a:ext>
             </a:extLst>
           </p:cNvPr>
@@ -8811,7 +8834,7 @@
           <p:cNvPr id="2" name="Title 1">
             <a:extLst>
               <a:ext uri="{FF2B5EF4-FFF2-40B4-BE49-F238E27FC236}">
-                <a16:creationId xmlns:a16="http://schemas.microsoft.com/office/drawing/2014/main" id="{29CB9E00-0397-4178-9E57-32DC82D3A8F7}"/>
+                <a16:creationId xmlns:a16="http://schemas.microsoft.com/office/drawing/2014/main" xmlns="" id="{29CB9E00-0397-4178-9E57-32DC82D3A8F7}"/>
               </a:ext>
             </a:extLst>
           </p:cNvPr>
@@ -8836,7 +8859,7 @@
           <p:cNvPr id="3" name="Content Placeholder 2">
             <a:extLst>
               <a:ext uri="{FF2B5EF4-FFF2-40B4-BE49-F238E27FC236}">
-                <a16:creationId xmlns:a16="http://schemas.microsoft.com/office/drawing/2014/main" id="{73A078A5-4F35-4958-8384-CBBBD3DED2C3}"/>
+                <a16:creationId xmlns:a16="http://schemas.microsoft.com/office/drawing/2014/main" xmlns="" id="{73A078A5-4F35-4958-8384-CBBBD3DED2C3}"/>
               </a:ext>
             </a:extLst>
           </p:cNvPr>
@@ -8891,7 +8914,7 @@
           <p:cNvPr id="1028" name="Picture 4" descr="Free Vector | Flat people with question marks background">
             <a:extLst>
               <a:ext uri="{FF2B5EF4-FFF2-40B4-BE49-F238E27FC236}">
-                <a16:creationId xmlns:a16="http://schemas.microsoft.com/office/drawing/2014/main" id="{E158EC70-4769-4E41-A278-C90EC4E480C7}"/>
+                <a16:creationId xmlns:a16="http://schemas.microsoft.com/office/drawing/2014/main" xmlns="" id="{E158EC70-4769-4E41-A278-C90EC4E480C7}"/>
               </a:ext>
             </a:extLst>
           </p:cNvPr>
@@ -8936,7 +8959,7 @@
           <p:cNvPr id="2" name="TextBox 1">
             <a:extLst>
               <a:ext uri="{FF2B5EF4-FFF2-40B4-BE49-F238E27FC236}">
-                <a16:creationId xmlns:a16="http://schemas.microsoft.com/office/drawing/2014/main" id="{994C3DB2-D47E-4B94-804B-87AF1FDEF86E}"/>
+                <a16:creationId xmlns:a16="http://schemas.microsoft.com/office/drawing/2014/main" xmlns="" id="{994C3DB2-D47E-4B94-804B-87AF1FDEF86E}"/>
               </a:ext>
             </a:extLst>
           </p:cNvPr>
@@ -9011,7 +9034,7 @@
           <p:cNvPr id="2052" name="Picture 4" descr="Ski Jumping Arena - Free Presentation Templates">
             <a:extLst>
               <a:ext uri="{FF2B5EF4-FFF2-40B4-BE49-F238E27FC236}">
-                <a16:creationId xmlns:a16="http://schemas.microsoft.com/office/drawing/2014/main" id="{B0D7E6A1-F72A-4F69-B4FB-A4ED7A0C6CED}"/>
+                <a16:creationId xmlns:a16="http://schemas.microsoft.com/office/drawing/2014/main" xmlns="" id="{B0D7E6A1-F72A-4F69-B4FB-A4ED7A0C6CED}"/>
               </a:ext>
             </a:extLst>
           </p:cNvPr>
@@ -9199,7 +9222,7 @@
           <p:cNvPr id="2" name="Title 3">
             <a:extLst>
               <a:ext uri="{FF2B5EF4-FFF2-40B4-BE49-F238E27FC236}">
-                <a16:creationId xmlns:a16="http://schemas.microsoft.com/office/drawing/2014/main" id="{F07FC580-E2AB-4C55-8C95-D5E077A1D127}"/>
+                <a16:creationId xmlns:a16="http://schemas.microsoft.com/office/drawing/2014/main" xmlns="" id="{F07FC580-E2AB-4C55-8C95-D5E077A1D127}"/>
               </a:ext>
             </a:extLst>
           </p:cNvPr>
@@ -9281,7 +9304,7 @@
           <p:cNvPr id="4" name="Footer Placeholder 45">
             <a:extLst>
               <a:ext uri="{FF2B5EF4-FFF2-40B4-BE49-F238E27FC236}">
-                <a16:creationId xmlns:a16="http://schemas.microsoft.com/office/drawing/2014/main" id="{90E33047-DFF5-4690-8905-31E4C115EFDC}"/>
+                <a16:creationId xmlns:a16="http://schemas.microsoft.com/office/drawing/2014/main" xmlns="" id="{90E33047-DFF5-4690-8905-31E4C115EFDC}"/>
               </a:ext>
             </a:extLst>
           </p:cNvPr>
@@ -9344,7 +9367,7 @@
           <p:cNvPr id="5" name="TextBox 4">
             <a:extLst>
               <a:ext uri="{FF2B5EF4-FFF2-40B4-BE49-F238E27FC236}">
-                <a16:creationId xmlns:a16="http://schemas.microsoft.com/office/drawing/2014/main" id="{27E5B41D-1DDF-48C9-A5AF-075F84492B68}"/>
+                <a16:creationId xmlns:a16="http://schemas.microsoft.com/office/drawing/2014/main" xmlns="" id="{27E5B41D-1DDF-48C9-A5AF-075F84492B68}"/>
               </a:ext>
             </a:extLst>
           </p:cNvPr>
@@ -10150,7 +10173,7 @@
           <p:cNvPr id="37" name="TextBox 36">
             <a:extLst>
               <a:ext uri="{FF2B5EF4-FFF2-40B4-BE49-F238E27FC236}">
-                <a16:creationId xmlns:a16="http://schemas.microsoft.com/office/drawing/2014/main" id="{E8CAC22F-1542-4031-BC6C-A16989886504}"/>
+                <a16:creationId xmlns:a16="http://schemas.microsoft.com/office/drawing/2014/main" xmlns="" id="{E8CAC22F-1542-4031-BC6C-A16989886504}"/>
               </a:ext>
             </a:extLst>
           </p:cNvPr>
@@ -10203,7 +10226,7 @@
           <p:cNvPr id="40" name="Picture 39">
             <a:extLst>
               <a:ext uri="{FF2B5EF4-FFF2-40B4-BE49-F238E27FC236}">
-                <a16:creationId xmlns:a16="http://schemas.microsoft.com/office/drawing/2014/main" id="{DA60E6FB-8C44-4FEB-B6E9-83DA908565CD}"/>
+                <a16:creationId xmlns:a16="http://schemas.microsoft.com/office/drawing/2014/main" xmlns="" id="{DA60E6FB-8C44-4FEB-B6E9-83DA908565CD}"/>
               </a:ext>
             </a:extLst>
           </p:cNvPr>
@@ -10239,7 +10262,7 @@
           <p:cNvPr id="41" name="Straight Connector 40">
             <a:extLst>
               <a:ext uri="{FF2B5EF4-FFF2-40B4-BE49-F238E27FC236}">
-                <a16:creationId xmlns:a16="http://schemas.microsoft.com/office/drawing/2014/main" id="{3B3B7D73-CAE9-45AC-ACCE-FAEF4E505C7A}"/>
+                <a16:creationId xmlns:a16="http://schemas.microsoft.com/office/drawing/2014/main" xmlns="" id="{3B3B7D73-CAE9-45AC-ACCE-FAEF4E505C7A}"/>
               </a:ext>
             </a:extLst>
           </p:cNvPr>
@@ -10275,7 +10298,7 @@
           <p:cNvPr id="2" name="TextBox 1">
             <a:extLst>
               <a:ext uri="{FF2B5EF4-FFF2-40B4-BE49-F238E27FC236}">
-                <a16:creationId xmlns:a16="http://schemas.microsoft.com/office/drawing/2014/main" id="{325F36DD-F600-441C-B874-CB9077882A5A}"/>
+                <a16:creationId xmlns:a16="http://schemas.microsoft.com/office/drawing/2014/main" xmlns="" id="{325F36DD-F600-441C-B874-CB9077882A5A}"/>
               </a:ext>
             </a:extLst>
           </p:cNvPr>
@@ -10373,25 +10396,16 @@
               <a:buAutoNum type="arabicPeriod"/>
             </a:pPr>
             <a:r>
-              <a:rPr lang="en-US" sz="2400" dirty="0" err="1">
-                <a:solidFill>
-                  <a:prstClr val="black"/>
-                </a:solidFill>
-                <a:latin typeface="Calibri"/>
-              </a:rPr>
-              <a:t>Dbf</a:t>
-            </a:r>
-            <a:r>
               <a:rPr lang="en-US" sz="2400" dirty="0">
                 <a:solidFill>
                   <a:prstClr val="black"/>
                 </a:solidFill>
                 <a:latin typeface="Calibri"/>
               </a:rPr>
-              <a:t> and </a:t>
-            </a:r>
-            <a:r>
-              <a:rPr lang="en-US" sz="2400" dirty="0" err="1">
+              <a:t>Dbf and </a:t>
+            </a:r>
+            <a:r>
+              <a:rPr lang="en-US" sz="2400" dirty="0" err="1" smtClean="0">
                 <a:solidFill>
                   <a:prstClr val="black"/>
                 </a:solidFill>
@@ -10400,13 +10414,22 @@
               <a:t>shp</a:t>
             </a:r>
             <a:r>
+              <a:rPr lang="en-US" sz="2400" dirty="0" smtClean="0">
+                <a:solidFill>
+                  <a:prstClr val="black"/>
+                </a:solidFill>
+                <a:latin typeface="Calibri"/>
+              </a:rPr>
+              <a:t> </a:t>
+            </a:r>
+            <a:r>
               <a:rPr lang="en-US" sz="2400" dirty="0">
                 <a:solidFill>
                   <a:prstClr val="black"/>
                 </a:solidFill>
                 <a:latin typeface="Calibri"/>
               </a:rPr>
-              <a:t> file based (shape file) – </a:t>
+              <a:t>file based (shape file) – </a:t>
             </a:r>
             <a:r>
               <a:rPr lang="en-US" sz="2400" dirty="0">
@@ -10440,7 +10463,7 @@
           <a:p>
             <a:pPr defTabSz="1218987"/>
             <a:r>
-              <a:rPr lang="en-US" sz="2400">
+              <a:rPr lang="en-US" sz="2400" dirty="0">
                 <a:solidFill>
                   <a:prstClr val="black"/>
                 </a:solidFill>
@@ -10448,12 +10471,6 @@
               </a:rPr>
               <a:t>https://www.igismap.com/download-india-boundary-shapefile-free-states-boundary-assembly-constituencies-village-boundaries/</a:t>
             </a:r>
-            <a:endParaRPr lang="en-US" sz="2400" dirty="0">
-              <a:solidFill>
-                <a:prstClr val="black"/>
-              </a:solidFill>
-              <a:latin typeface="Calibri"/>
-            </a:endParaRPr>
           </a:p>
         </p:txBody>
       </p:sp>
@@ -10495,7 +10512,7 @@
           <p:cNvPr id="2" name="Title 1">
             <a:extLst>
               <a:ext uri="{FF2B5EF4-FFF2-40B4-BE49-F238E27FC236}">
-                <a16:creationId xmlns:a16="http://schemas.microsoft.com/office/drawing/2014/main" id="{E230B051-BAA0-46ED-9C8C-30CCC7C917CF}"/>
+                <a16:creationId xmlns:a16="http://schemas.microsoft.com/office/drawing/2014/main" xmlns="" id="{E230B051-BAA0-46ED-9C8C-30CCC7C917CF}"/>
               </a:ext>
             </a:extLst>
           </p:cNvPr>
@@ -10523,7 +10540,7 @@
           <p:cNvPr id="3" name="Content Placeholder 2">
             <a:extLst>
               <a:ext uri="{FF2B5EF4-FFF2-40B4-BE49-F238E27FC236}">
-                <a16:creationId xmlns:a16="http://schemas.microsoft.com/office/drawing/2014/main" id="{A72CB540-3CBE-4C28-A8AD-15C3147A229E}"/>
+                <a16:creationId xmlns:a16="http://schemas.microsoft.com/office/drawing/2014/main" xmlns="" id="{A72CB540-3CBE-4C28-A8AD-15C3147A229E}"/>
               </a:ext>
             </a:extLst>
           </p:cNvPr>
@@ -10625,7 +10642,7 @@
           <p:cNvPr id="37" name="TextBox 36">
             <a:extLst>
               <a:ext uri="{FF2B5EF4-FFF2-40B4-BE49-F238E27FC236}">
-                <a16:creationId xmlns:a16="http://schemas.microsoft.com/office/drawing/2014/main" id="{E8CAC22F-1542-4031-BC6C-A16989886504}"/>
+                <a16:creationId xmlns:a16="http://schemas.microsoft.com/office/drawing/2014/main" xmlns="" id="{E8CAC22F-1542-4031-BC6C-A16989886504}"/>
               </a:ext>
             </a:extLst>
           </p:cNvPr>
@@ -10678,7 +10695,7 @@
           <p:cNvPr id="40" name="Picture 39">
             <a:extLst>
               <a:ext uri="{FF2B5EF4-FFF2-40B4-BE49-F238E27FC236}">
-                <a16:creationId xmlns:a16="http://schemas.microsoft.com/office/drawing/2014/main" id="{DA60E6FB-8C44-4FEB-B6E9-83DA908565CD}"/>
+                <a16:creationId xmlns:a16="http://schemas.microsoft.com/office/drawing/2014/main" xmlns="" id="{DA60E6FB-8C44-4FEB-B6E9-83DA908565CD}"/>
               </a:ext>
             </a:extLst>
           </p:cNvPr>
@@ -10714,7 +10731,7 @@
           <p:cNvPr id="41" name="Straight Connector 40">
             <a:extLst>
               <a:ext uri="{FF2B5EF4-FFF2-40B4-BE49-F238E27FC236}">
-                <a16:creationId xmlns:a16="http://schemas.microsoft.com/office/drawing/2014/main" id="{3B3B7D73-CAE9-45AC-ACCE-FAEF4E505C7A}"/>
+                <a16:creationId xmlns:a16="http://schemas.microsoft.com/office/drawing/2014/main" xmlns="" id="{3B3B7D73-CAE9-45AC-ACCE-FAEF4E505C7A}"/>
               </a:ext>
             </a:extLst>
           </p:cNvPr>
@@ -10750,7 +10767,7 @@
           <p:cNvPr id="2" name="TextBox 1">
             <a:extLst>
               <a:ext uri="{FF2B5EF4-FFF2-40B4-BE49-F238E27FC236}">
-                <a16:creationId xmlns:a16="http://schemas.microsoft.com/office/drawing/2014/main" id="{91F3CF02-2FBA-46B2-ABF5-48E8D5644BED}"/>
+                <a16:creationId xmlns:a16="http://schemas.microsoft.com/office/drawing/2014/main" xmlns="" id="{91F3CF02-2FBA-46B2-ABF5-48E8D5644BED}"/>
               </a:ext>
             </a:extLst>
           </p:cNvPr>
@@ -10951,7 +10968,7 @@
           <p:cNvPr id="37" name="TextBox 36">
             <a:extLst>
               <a:ext uri="{FF2B5EF4-FFF2-40B4-BE49-F238E27FC236}">
-                <a16:creationId xmlns:a16="http://schemas.microsoft.com/office/drawing/2014/main" id="{E8CAC22F-1542-4031-BC6C-A16989886504}"/>
+                <a16:creationId xmlns:a16="http://schemas.microsoft.com/office/drawing/2014/main" xmlns="" id="{E8CAC22F-1542-4031-BC6C-A16989886504}"/>
               </a:ext>
             </a:extLst>
           </p:cNvPr>
@@ -11004,7 +11021,7 @@
           <p:cNvPr id="40" name="Picture 39">
             <a:extLst>
               <a:ext uri="{FF2B5EF4-FFF2-40B4-BE49-F238E27FC236}">
-                <a16:creationId xmlns:a16="http://schemas.microsoft.com/office/drawing/2014/main" id="{DA60E6FB-8C44-4FEB-B6E9-83DA908565CD}"/>
+                <a16:creationId xmlns:a16="http://schemas.microsoft.com/office/drawing/2014/main" xmlns="" id="{DA60E6FB-8C44-4FEB-B6E9-83DA908565CD}"/>
               </a:ext>
             </a:extLst>
           </p:cNvPr>
@@ -11040,7 +11057,7 @@
           <p:cNvPr id="41" name="Straight Connector 40">
             <a:extLst>
               <a:ext uri="{FF2B5EF4-FFF2-40B4-BE49-F238E27FC236}">
-                <a16:creationId xmlns:a16="http://schemas.microsoft.com/office/drawing/2014/main" id="{3B3B7D73-CAE9-45AC-ACCE-FAEF4E505C7A}"/>
+                <a16:creationId xmlns:a16="http://schemas.microsoft.com/office/drawing/2014/main" xmlns="" id="{3B3B7D73-CAE9-45AC-ACCE-FAEF4E505C7A}"/>
               </a:ext>
             </a:extLst>
           </p:cNvPr>
@@ -11076,7 +11093,7 @@
           <p:cNvPr id="6" name="Group 5">
             <a:extLst>
               <a:ext uri="{FF2B5EF4-FFF2-40B4-BE49-F238E27FC236}">
-                <a16:creationId xmlns:a16="http://schemas.microsoft.com/office/drawing/2014/main" id="{B922098F-1FFB-4062-BF15-8672BA17C0BD}"/>
+                <a16:creationId xmlns:a16="http://schemas.microsoft.com/office/drawing/2014/main" xmlns="" id="{B922098F-1FFB-4062-BF15-8672BA17C0BD}"/>
               </a:ext>
             </a:extLst>
           </p:cNvPr>
@@ -11096,7 +11113,7 @@
             <p:cNvPr id="7" name="Picture 6">
               <a:extLst>
                 <a:ext uri="{FF2B5EF4-FFF2-40B4-BE49-F238E27FC236}">
-                  <a16:creationId xmlns:a16="http://schemas.microsoft.com/office/drawing/2014/main" id="{080D1882-3F11-4FA4-B41D-F874C26711DF}"/>
+                  <a16:creationId xmlns:a16="http://schemas.microsoft.com/office/drawing/2014/main" xmlns="" id="{080D1882-3F11-4FA4-B41D-F874C26711DF}"/>
                 </a:ext>
               </a:extLst>
             </p:cNvPr>
@@ -11134,7 +11151,7 @@
             <p:cNvPr id="8" name="TextBox 7">
               <a:extLst>
                 <a:ext uri="{FF2B5EF4-FFF2-40B4-BE49-F238E27FC236}">
-                  <a16:creationId xmlns:a16="http://schemas.microsoft.com/office/drawing/2014/main" id="{AC24DDD8-0165-4228-A0A4-F6D5A3BAA590}"/>
+                  <a16:creationId xmlns:a16="http://schemas.microsoft.com/office/drawing/2014/main" xmlns="" id="{AC24DDD8-0165-4228-A0A4-F6D5A3BAA590}"/>
                 </a:ext>
               </a:extLst>
             </p:cNvPr>
@@ -11189,7 +11206,7 @@
           <p:cNvPr id="9" name="Group 8">
             <a:extLst>
               <a:ext uri="{FF2B5EF4-FFF2-40B4-BE49-F238E27FC236}">
-                <a16:creationId xmlns:a16="http://schemas.microsoft.com/office/drawing/2014/main" id="{9CE782BC-4A14-4872-BC32-F4CC91313554}"/>
+                <a16:creationId xmlns:a16="http://schemas.microsoft.com/office/drawing/2014/main" xmlns="" id="{9CE782BC-4A14-4872-BC32-F4CC91313554}"/>
               </a:ext>
             </a:extLst>
           </p:cNvPr>
@@ -11209,7 +11226,7 @@
             <p:cNvPr id="10" name="Picture 9">
               <a:extLst>
                 <a:ext uri="{FF2B5EF4-FFF2-40B4-BE49-F238E27FC236}">
-                  <a16:creationId xmlns:a16="http://schemas.microsoft.com/office/drawing/2014/main" id="{B982B02A-F89D-4A64-9192-FAC6F8EA4A1A}"/>
+                  <a16:creationId xmlns:a16="http://schemas.microsoft.com/office/drawing/2014/main" xmlns="" id="{B982B02A-F89D-4A64-9192-FAC6F8EA4A1A}"/>
                 </a:ext>
               </a:extLst>
             </p:cNvPr>
@@ -11247,7 +11264,7 @@
             <p:cNvPr id="12" name="TextBox 11">
               <a:extLst>
                 <a:ext uri="{FF2B5EF4-FFF2-40B4-BE49-F238E27FC236}">
-                  <a16:creationId xmlns:a16="http://schemas.microsoft.com/office/drawing/2014/main" id="{5368FD95-6FA3-4ECB-AF21-34AD45CBA6CE}"/>
+                  <a16:creationId xmlns:a16="http://schemas.microsoft.com/office/drawing/2014/main" xmlns="" id="{5368FD95-6FA3-4ECB-AF21-34AD45CBA6CE}"/>
                 </a:ext>
               </a:extLst>
             </p:cNvPr>
@@ -11302,7 +11319,7 @@
           <p:cNvPr id="13" name="Group 12">
             <a:extLst>
               <a:ext uri="{FF2B5EF4-FFF2-40B4-BE49-F238E27FC236}">
-                <a16:creationId xmlns:a16="http://schemas.microsoft.com/office/drawing/2014/main" id="{2FAD894D-A417-44B0-8D79-BF4AB8BC698A}"/>
+                <a16:creationId xmlns:a16="http://schemas.microsoft.com/office/drawing/2014/main" xmlns="" id="{2FAD894D-A417-44B0-8D79-BF4AB8BC698A}"/>
               </a:ext>
             </a:extLst>
           </p:cNvPr>
@@ -11322,7 +11339,7 @@
             <p:cNvPr id="14" name="Picture 13">
               <a:extLst>
                 <a:ext uri="{FF2B5EF4-FFF2-40B4-BE49-F238E27FC236}">
-                  <a16:creationId xmlns:a16="http://schemas.microsoft.com/office/drawing/2014/main" id="{79BA8C90-116F-493C-9D73-97159F6E26A5}"/>
+                  <a16:creationId xmlns:a16="http://schemas.microsoft.com/office/drawing/2014/main" xmlns="" id="{79BA8C90-116F-493C-9D73-97159F6E26A5}"/>
                 </a:ext>
               </a:extLst>
             </p:cNvPr>
@@ -11359,7 +11376,7 @@
             <p:cNvPr id="15" name="TextBox 14">
               <a:extLst>
                 <a:ext uri="{FF2B5EF4-FFF2-40B4-BE49-F238E27FC236}">
-                  <a16:creationId xmlns:a16="http://schemas.microsoft.com/office/drawing/2014/main" id="{BE8A8D7A-1915-41A2-9A73-E265309F776E}"/>
+                  <a16:creationId xmlns:a16="http://schemas.microsoft.com/office/drawing/2014/main" xmlns="" id="{BE8A8D7A-1915-41A2-9A73-E265309F776E}"/>
                 </a:ext>
               </a:extLst>
             </p:cNvPr>
@@ -11414,7 +11431,7 @@
           <p:cNvPr id="16" name="Group 15">
             <a:extLst>
               <a:ext uri="{FF2B5EF4-FFF2-40B4-BE49-F238E27FC236}">
-                <a16:creationId xmlns:a16="http://schemas.microsoft.com/office/drawing/2014/main" id="{8604DE8B-F3BA-4622-915B-94D6A520CA78}"/>
+                <a16:creationId xmlns:a16="http://schemas.microsoft.com/office/drawing/2014/main" xmlns="" id="{8604DE8B-F3BA-4622-915B-94D6A520CA78}"/>
               </a:ext>
             </a:extLst>
           </p:cNvPr>
@@ -11434,7 +11451,7 @@
             <p:cNvPr id="17" name="Picture 16">
               <a:extLst>
                 <a:ext uri="{FF2B5EF4-FFF2-40B4-BE49-F238E27FC236}">
-                  <a16:creationId xmlns:a16="http://schemas.microsoft.com/office/drawing/2014/main" id="{9CF7A417-E8C7-40F2-89F0-8FF73F39A494}"/>
+                  <a16:creationId xmlns:a16="http://schemas.microsoft.com/office/drawing/2014/main" xmlns="" id="{9CF7A417-E8C7-40F2-89F0-8FF73F39A494}"/>
                 </a:ext>
               </a:extLst>
             </p:cNvPr>
@@ -11471,7 +11488,7 @@
             <p:cNvPr id="18" name="TextBox 17">
               <a:extLst>
                 <a:ext uri="{FF2B5EF4-FFF2-40B4-BE49-F238E27FC236}">
-                  <a16:creationId xmlns:a16="http://schemas.microsoft.com/office/drawing/2014/main" id="{0419ED92-7DA2-4E94-9857-335D91603D07}"/>
+                  <a16:creationId xmlns:a16="http://schemas.microsoft.com/office/drawing/2014/main" xmlns="" id="{0419ED92-7DA2-4E94-9857-335D91603D07}"/>
                 </a:ext>
               </a:extLst>
             </p:cNvPr>
@@ -11547,7 +11564,7 @@
           <p:cNvPr id="19" name="Group 18">
             <a:extLst>
               <a:ext uri="{FF2B5EF4-FFF2-40B4-BE49-F238E27FC236}">
-                <a16:creationId xmlns:a16="http://schemas.microsoft.com/office/drawing/2014/main" id="{02EAC2C0-D311-4D7C-8147-573567B2E085}"/>
+                <a16:creationId xmlns:a16="http://schemas.microsoft.com/office/drawing/2014/main" xmlns="" id="{02EAC2C0-D311-4D7C-8147-573567B2E085}"/>
               </a:ext>
             </a:extLst>
           </p:cNvPr>
@@ -11567,7 +11584,7 @@
             <p:cNvPr id="20" name="TextBox 19">
               <a:extLst>
                 <a:ext uri="{FF2B5EF4-FFF2-40B4-BE49-F238E27FC236}">
-                  <a16:creationId xmlns:a16="http://schemas.microsoft.com/office/drawing/2014/main" id="{CE2C656C-967C-4B3D-A778-8652ED0411D9}"/>
+                  <a16:creationId xmlns:a16="http://schemas.microsoft.com/office/drawing/2014/main" xmlns="" id="{CE2C656C-967C-4B3D-A778-8652ED0411D9}"/>
                 </a:ext>
               </a:extLst>
             </p:cNvPr>
@@ -11621,7 +11638,7 @@
             <p:cNvPr id="21" name="Picture 20">
               <a:extLst>
                 <a:ext uri="{FF2B5EF4-FFF2-40B4-BE49-F238E27FC236}">
-                  <a16:creationId xmlns:a16="http://schemas.microsoft.com/office/drawing/2014/main" id="{05144DE7-CE43-4242-8C95-72488188EA0A}"/>
+                  <a16:creationId xmlns:a16="http://schemas.microsoft.com/office/drawing/2014/main" xmlns="" id="{05144DE7-CE43-4242-8C95-72488188EA0A}"/>
                 </a:ext>
               </a:extLst>
             </p:cNvPr>
@@ -11660,7 +11677,7 @@
           <p:cNvPr id="22" name="Group 21">
             <a:extLst>
               <a:ext uri="{FF2B5EF4-FFF2-40B4-BE49-F238E27FC236}">
-                <a16:creationId xmlns:a16="http://schemas.microsoft.com/office/drawing/2014/main" id="{949C92DA-3550-4EA1-B394-E321C93E6F4F}"/>
+                <a16:creationId xmlns:a16="http://schemas.microsoft.com/office/drawing/2014/main" xmlns="" id="{949C92DA-3550-4EA1-B394-E321C93E6F4F}"/>
               </a:ext>
             </a:extLst>
           </p:cNvPr>
@@ -11680,7 +11697,7 @@
             <p:cNvPr id="23" name="TextBox 22">
               <a:extLst>
                 <a:ext uri="{FF2B5EF4-FFF2-40B4-BE49-F238E27FC236}">
-                  <a16:creationId xmlns:a16="http://schemas.microsoft.com/office/drawing/2014/main" id="{E9C5C1F3-BC13-434B-8CD0-21805DA1602B}"/>
+                  <a16:creationId xmlns:a16="http://schemas.microsoft.com/office/drawing/2014/main" xmlns="" id="{E9C5C1F3-BC13-434B-8CD0-21805DA1602B}"/>
                 </a:ext>
               </a:extLst>
             </p:cNvPr>
@@ -11756,7 +11773,7 @@
             <p:cNvPr id="24" name="Picture 23">
               <a:extLst>
                 <a:ext uri="{FF2B5EF4-FFF2-40B4-BE49-F238E27FC236}">
-                  <a16:creationId xmlns:a16="http://schemas.microsoft.com/office/drawing/2014/main" id="{E5889629-D83F-49EE-AA99-51FAA15BBBCB}"/>
+                  <a16:creationId xmlns:a16="http://schemas.microsoft.com/office/drawing/2014/main" xmlns="" id="{E5889629-D83F-49EE-AA99-51FAA15BBBCB}"/>
                 </a:ext>
               </a:extLst>
             </p:cNvPr>
@@ -11806,7 +11823,7 @@
           <p:cNvPr id="25" name="TextBox 24">
             <a:extLst>
               <a:ext uri="{FF2B5EF4-FFF2-40B4-BE49-F238E27FC236}">
-                <a16:creationId xmlns:a16="http://schemas.microsoft.com/office/drawing/2014/main" id="{82882557-A178-46D3-B5C8-6E42CB38C12A}"/>
+                <a16:creationId xmlns:a16="http://schemas.microsoft.com/office/drawing/2014/main" xmlns="" id="{82882557-A178-46D3-B5C8-6E42CB38C12A}"/>
               </a:ext>
             </a:extLst>
           </p:cNvPr>
@@ -11926,7 +11943,7 @@
           <p:cNvPr id="26" name="Group 25">
             <a:extLst>
               <a:ext uri="{FF2B5EF4-FFF2-40B4-BE49-F238E27FC236}">
-                <a16:creationId xmlns:a16="http://schemas.microsoft.com/office/drawing/2014/main" id="{BD85DADF-C7A3-4DC4-ABA1-E9A24E556AD8}"/>
+                <a16:creationId xmlns:a16="http://schemas.microsoft.com/office/drawing/2014/main" xmlns="" id="{BD85DADF-C7A3-4DC4-ABA1-E9A24E556AD8}"/>
               </a:ext>
             </a:extLst>
           </p:cNvPr>
@@ -11946,7 +11963,7 @@
             <p:cNvPr id="27" name="TextBox 26">
               <a:extLst>
                 <a:ext uri="{FF2B5EF4-FFF2-40B4-BE49-F238E27FC236}">
-                  <a16:creationId xmlns:a16="http://schemas.microsoft.com/office/drawing/2014/main" id="{D1AAD733-E519-41CA-B405-4A47C40D34E8}"/>
+                  <a16:creationId xmlns:a16="http://schemas.microsoft.com/office/drawing/2014/main" xmlns="" id="{D1AAD733-E519-41CA-B405-4A47C40D34E8}"/>
                 </a:ext>
               </a:extLst>
             </p:cNvPr>
@@ -12000,7 +12017,7 @@
             <p:cNvPr id="28" name="Group 27">
               <a:extLst>
                 <a:ext uri="{FF2B5EF4-FFF2-40B4-BE49-F238E27FC236}">
-                  <a16:creationId xmlns:a16="http://schemas.microsoft.com/office/drawing/2014/main" id="{CEA6C856-9F1E-41C3-A044-92E8F5B03AEC}"/>
+                  <a16:creationId xmlns:a16="http://schemas.microsoft.com/office/drawing/2014/main" xmlns="" id="{CEA6C856-9F1E-41C3-A044-92E8F5B03AEC}"/>
                 </a:ext>
               </a:extLst>
             </p:cNvPr>
@@ -12022,7 +12039,7 @@
               <p:cNvPr id="29" name="Picture 28">
                 <a:extLst>
                   <a:ext uri="{FF2B5EF4-FFF2-40B4-BE49-F238E27FC236}">
-                    <a16:creationId xmlns:a16="http://schemas.microsoft.com/office/drawing/2014/main" id="{97EB3810-E704-4341-B71B-DCB048A5AC43}"/>
+                    <a16:creationId xmlns:a16="http://schemas.microsoft.com/office/drawing/2014/main" xmlns="" id="{97EB3810-E704-4341-B71B-DCB048A5AC43}"/>
                   </a:ext>
                 </a:extLst>
               </p:cNvPr>
@@ -12059,7 +12076,7 @@
               <p:cNvPr id="30" name="Picture 29">
                 <a:extLst>
                   <a:ext uri="{FF2B5EF4-FFF2-40B4-BE49-F238E27FC236}">
-                    <a16:creationId xmlns:a16="http://schemas.microsoft.com/office/drawing/2014/main" id="{27A40501-6359-481C-A353-917E35C73F78}"/>
+                    <a16:creationId xmlns:a16="http://schemas.microsoft.com/office/drawing/2014/main" xmlns="" id="{27A40501-6359-481C-A353-917E35C73F78}"/>
                   </a:ext>
                 </a:extLst>
               </p:cNvPr>
@@ -12168,7 +12185,7 @@
           <p:cNvPr id="37" name="TextBox 36">
             <a:extLst>
               <a:ext uri="{FF2B5EF4-FFF2-40B4-BE49-F238E27FC236}">
-                <a16:creationId xmlns:a16="http://schemas.microsoft.com/office/drawing/2014/main" id="{E8CAC22F-1542-4031-BC6C-A16989886504}"/>
+                <a16:creationId xmlns:a16="http://schemas.microsoft.com/office/drawing/2014/main" xmlns="" id="{E8CAC22F-1542-4031-BC6C-A16989886504}"/>
               </a:ext>
             </a:extLst>
           </p:cNvPr>
@@ -12221,7 +12238,7 @@
           <p:cNvPr id="40" name="Picture 39">
             <a:extLst>
               <a:ext uri="{FF2B5EF4-FFF2-40B4-BE49-F238E27FC236}">
-                <a16:creationId xmlns:a16="http://schemas.microsoft.com/office/drawing/2014/main" id="{DA60E6FB-8C44-4FEB-B6E9-83DA908565CD}"/>
+                <a16:creationId xmlns:a16="http://schemas.microsoft.com/office/drawing/2014/main" xmlns="" id="{DA60E6FB-8C44-4FEB-B6E9-83DA908565CD}"/>
               </a:ext>
             </a:extLst>
           </p:cNvPr>
@@ -12257,7 +12274,7 @@
           <p:cNvPr id="41" name="Straight Connector 40">
             <a:extLst>
               <a:ext uri="{FF2B5EF4-FFF2-40B4-BE49-F238E27FC236}">
-                <a16:creationId xmlns:a16="http://schemas.microsoft.com/office/drawing/2014/main" id="{3B3B7D73-CAE9-45AC-ACCE-FAEF4E505C7A}"/>
+                <a16:creationId xmlns:a16="http://schemas.microsoft.com/office/drawing/2014/main" xmlns="" id="{3B3B7D73-CAE9-45AC-ACCE-FAEF4E505C7A}"/>
               </a:ext>
             </a:extLst>
           </p:cNvPr>
@@ -12293,7 +12310,7 @@
           <p:cNvPr id="2" name="TextBox 1">
             <a:extLst>
               <a:ext uri="{FF2B5EF4-FFF2-40B4-BE49-F238E27FC236}">
-                <a16:creationId xmlns:a16="http://schemas.microsoft.com/office/drawing/2014/main" id="{CD1D6D39-D325-4109-A88D-DC1838B69358}"/>
+                <a16:creationId xmlns:a16="http://schemas.microsoft.com/office/drawing/2014/main" xmlns="" id="{CD1D6D39-D325-4109-A88D-DC1838B69358}"/>
               </a:ext>
             </a:extLst>
           </p:cNvPr>
@@ -12485,7 +12502,7 @@
           <p:cNvPr id="37" name="TextBox 36">
             <a:extLst>
               <a:ext uri="{FF2B5EF4-FFF2-40B4-BE49-F238E27FC236}">
-                <a16:creationId xmlns:a16="http://schemas.microsoft.com/office/drawing/2014/main" id="{E8CAC22F-1542-4031-BC6C-A16989886504}"/>
+                <a16:creationId xmlns:a16="http://schemas.microsoft.com/office/drawing/2014/main" xmlns="" id="{E8CAC22F-1542-4031-BC6C-A16989886504}"/>
               </a:ext>
             </a:extLst>
           </p:cNvPr>
@@ -12538,7 +12555,7 @@
           <p:cNvPr id="40" name="Picture 39">
             <a:extLst>
               <a:ext uri="{FF2B5EF4-FFF2-40B4-BE49-F238E27FC236}">
-                <a16:creationId xmlns:a16="http://schemas.microsoft.com/office/drawing/2014/main" id="{DA60E6FB-8C44-4FEB-B6E9-83DA908565CD}"/>
+                <a16:creationId xmlns:a16="http://schemas.microsoft.com/office/drawing/2014/main" xmlns="" id="{DA60E6FB-8C44-4FEB-B6E9-83DA908565CD}"/>
               </a:ext>
             </a:extLst>
           </p:cNvPr>
@@ -12574,7 +12591,7 @@
           <p:cNvPr id="41" name="Straight Connector 40">
             <a:extLst>
               <a:ext uri="{FF2B5EF4-FFF2-40B4-BE49-F238E27FC236}">
-                <a16:creationId xmlns:a16="http://schemas.microsoft.com/office/drawing/2014/main" id="{3B3B7D73-CAE9-45AC-ACCE-FAEF4E505C7A}"/>
+                <a16:creationId xmlns:a16="http://schemas.microsoft.com/office/drawing/2014/main" xmlns="" id="{3B3B7D73-CAE9-45AC-ACCE-FAEF4E505C7A}"/>
               </a:ext>
             </a:extLst>
           </p:cNvPr>
@@ -12610,7 +12627,7 @@
           <p:cNvPr id="2" name="TextBox 1">
             <a:extLst>
               <a:ext uri="{FF2B5EF4-FFF2-40B4-BE49-F238E27FC236}">
-                <a16:creationId xmlns:a16="http://schemas.microsoft.com/office/drawing/2014/main" id="{5BDA29A0-9F03-4703-BF07-08CD1D51080B}"/>
+                <a16:creationId xmlns:a16="http://schemas.microsoft.com/office/drawing/2014/main" xmlns="" id="{5BDA29A0-9F03-4703-BF07-08CD1D51080B}"/>
               </a:ext>
             </a:extLst>
           </p:cNvPr>
@@ -12829,7 +12846,7 @@
           <p:cNvPr id="37" name="TextBox 36">
             <a:extLst>
               <a:ext uri="{FF2B5EF4-FFF2-40B4-BE49-F238E27FC236}">
-                <a16:creationId xmlns:a16="http://schemas.microsoft.com/office/drawing/2014/main" id="{E8CAC22F-1542-4031-BC6C-A16989886504}"/>
+                <a16:creationId xmlns:a16="http://schemas.microsoft.com/office/drawing/2014/main" xmlns="" id="{E8CAC22F-1542-4031-BC6C-A16989886504}"/>
               </a:ext>
             </a:extLst>
           </p:cNvPr>
@@ -12882,7 +12899,7 @@
           <p:cNvPr id="40" name="Picture 39">
             <a:extLst>
               <a:ext uri="{FF2B5EF4-FFF2-40B4-BE49-F238E27FC236}">
-                <a16:creationId xmlns:a16="http://schemas.microsoft.com/office/drawing/2014/main" id="{DA60E6FB-8C44-4FEB-B6E9-83DA908565CD}"/>
+                <a16:creationId xmlns:a16="http://schemas.microsoft.com/office/drawing/2014/main" xmlns="" id="{DA60E6FB-8C44-4FEB-B6E9-83DA908565CD}"/>
               </a:ext>
             </a:extLst>
           </p:cNvPr>
@@ -12918,7 +12935,7 @@
           <p:cNvPr id="41" name="Straight Connector 40">
             <a:extLst>
               <a:ext uri="{FF2B5EF4-FFF2-40B4-BE49-F238E27FC236}">
-                <a16:creationId xmlns:a16="http://schemas.microsoft.com/office/drawing/2014/main" id="{3B3B7D73-CAE9-45AC-ACCE-FAEF4E505C7A}"/>
+                <a16:creationId xmlns:a16="http://schemas.microsoft.com/office/drawing/2014/main" xmlns="" id="{3B3B7D73-CAE9-45AC-ACCE-FAEF4E505C7A}"/>
               </a:ext>
             </a:extLst>
           </p:cNvPr>
@@ -12954,7 +12971,7 @@
           <p:cNvPr id="2" name="Picture 1">
             <a:extLst>
               <a:ext uri="{FF2B5EF4-FFF2-40B4-BE49-F238E27FC236}">
-                <a16:creationId xmlns:a16="http://schemas.microsoft.com/office/drawing/2014/main" id="{30AA622A-1614-4C9C-9193-301E34666FDE}"/>
+                <a16:creationId xmlns:a16="http://schemas.microsoft.com/office/drawing/2014/main" xmlns="" id="{30AA622A-1614-4C9C-9193-301E34666FDE}"/>
               </a:ext>
             </a:extLst>
           </p:cNvPr>
